--- a/Python.pptx
+++ b/Python.pptx
@@ -5,7 +5,7 @@
     <p:sldMasterId id="2147484001" r:id="rId1"/>
   </p:sldMasterIdLst>
   <p:notesMasterIdLst>
-    <p:notesMasterId r:id="rId23"/>
+    <p:notesMasterId r:id="rId31"/>
   </p:notesMasterIdLst>
   <p:sldIdLst>
     <p:sldId id="256" r:id="rId2"/>
@@ -20,8 +20,8 @@
     <p:sldId id="264" r:id="rId11"/>
     <p:sldId id="276" r:id="rId12"/>
     <p:sldId id="265" r:id="rId13"/>
-    <p:sldId id="266" r:id="rId14"/>
-    <p:sldId id="267" r:id="rId15"/>
+    <p:sldId id="267" r:id="rId14"/>
+    <p:sldId id="277" r:id="rId15"/>
     <p:sldId id="268" r:id="rId16"/>
     <p:sldId id="269" r:id="rId17"/>
     <p:sldId id="271" r:id="rId18"/>
@@ -29,6 +29,14 @@
     <p:sldId id="273" r:id="rId20"/>
     <p:sldId id="274" r:id="rId21"/>
     <p:sldId id="275" r:id="rId22"/>
+    <p:sldId id="278" r:id="rId23"/>
+    <p:sldId id="279" r:id="rId24"/>
+    <p:sldId id="280" r:id="rId25"/>
+    <p:sldId id="281" r:id="rId26"/>
+    <p:sldId id="282" r:id="rId27"/>
+    <p:sldId id="283" r:id="rId28"/>
+    <p:sldId id="284" r:id="rId29"/>
+    <p:sldId id="285" r:id="rId30"/>
   </p:sldIdLst>
   <p:sldSz cx="9144000" cy="6858000" type="screen4x3"/>
   <p:notesSz cx="6858000" cy="9144000"/>
@@ -7266,14 +7274,81 @@
         </p:nvSpPr>
         <p:spPr/>
         <p:txBody>
-          <a:bodyPr/>
-          <a:lstStyle/>
-          <a:p>
-            <a:r>
-              <a:rPr lang="en-US" dirty="0" smtClean="0"/>
-              <a:t>File available at </a:t>
-            </a:r>
-            <a:endParaRPr lang="en-US" dirty="0"/>
+          <a:bodyPr>
+            <a:normAutofit/>
+          </a:bodyPr>
+          <a:lstStyle/>
+          <a:p>
+            <a:r>
+              <a:rPr lang="en-US" sz="2000" dirty="0" smtClean="0"/>
+              <a:t>File available </a:t>
+            </a:r>
+            <a:r>
+              <a:rPr lang="en-US" sz="2000" dirty="0"/>
+              <a:t>at </a:t>
+            </a:r>
+            <a:r>
+              <a:rPr lang="en-US" sz="2000" dirty="0">
+                <a:hlinkClick r:id="rId2"/>
+              </a:rPr>
+              <a:t>https://</a:t>
+            </a:r>
+            <a:r>
+              <a:rPr lang="en-US" sz="2000" dirty="0" smtClean="0">
+                <a:hlinkClick r:id="rId2"/>
+              </a:rPr>
+              <a:t>github.com/ekivolowitz/PythonTalk/examples/numbers.py</a:t>
+            </a:r>
+            <a:r>
+              <a:rPr lang="en-US" sz="2000" dirty="0" smtClean="0"/>
+              <a:t/>
+            </a:r>
+            <a:br>
+              <a:rPr lang="en-US" sz="2000" dirty="0" smtClean="0"/>
+            </a:br>
+            <a:r>
+              <a:rPr lang="en-US" sz="2000" dirty="0" smtClean="0"/>
+              <a:t>https</a:t>
+            </a:r>
+            <a:r>
+              <a:rPr lang="en-US" sz="2000" dirty="0"/>
+              <a:t>://</a:t>
+            </a:r>
+            <a:r>
+              <a:rPr lang="en-US" sz="2000" dirty="0" err="1" smtClean="0"/>
+              <a:t>github.com</a:t>
+            </a:r>
+            <a:r>
+              <a:rPr lang="en-US" sz="2000" dirty="0" smtClean="0"/>
+              <a:t>/</a:t>
+            </a:r>
+            <a:r>
+              <a:rPr lang="en-US" sz="2000" dirty="0" err="1" smtClean="0"/>
+              <a:t>ekivolowitz</a:t>
+            </a:r>
+            <a:r>
+              <a:rPr lang="en-US" sz="2000" dirty="0" smtClean="0"/>
+              <a:t>/</a:t>
+            </a:r>
+            <a:r>
+              <a:rPr lang="en-US" sz="2000" dirty="0" err="1" smtClean="0"/>
+              <a:t>PythonTalk</a:t>
+            </a:r>
+            <a:r>
+              <a:rPr lang="en-US" sz="2000" dirty="0" smtClean="0"/>
+              <a:t>/examples/</a:t>
+            </a:r>
+            <a:r>
+              <a:rPr lang="en-US" sz="2000" dirty="0" err="1" smtClean="0"/>
+              <a:t>is.py</a:t>
+            </a:r>
+            <a:endParaRPr lang="en-US" sz="2000" dirty="0"/>
+          </a:p>
+          <a:p>
+            <a:endParaRPr lang="en-US" sz="2000" dirty="0" smtClean="0"/>
+          </a:p>
+          <a:p>
+            <a:endParaRPr lang="en-US" sz="2000" dirty="0"/>
           </a:p>
         </p:txBody>
       </p:sp>
@@ -7569,7 +7644,7 @@
           <a:p>
             <a:r>
               <a:rPr lang="en-US" dirty="0" smtClean="0"/>
-              <a:t>String Formatting</a:t>
+              <a:t>String Operations</a:t>
             </a:r>
             <a:endParaRPr lang="en-US" dirty="0"/>
           </a:p>
@@ -7587,32 +7662,94 @@
         </p:nvSpPr>
         <p:spPr/>
         <p:txBody>
-          <a:bodyPr/>
-          <a:lstStyle/>
-          <a:p>
-            <a:r>
-              <a:rPr lang="en-US" dirty="0" smtClean="0"/>
-              <a:t>”%s likes Python!” % “Evan”</a:t>
-            </a:r>
-          </a:p>
-          <a:p>
-            <a:pPr lvl="1"/>
-            <a:r>
-              <a:rPr lang="en-US" dirty="0" smtClean="0"/>
-              <a:t>”Evan likes Python!”</a:t>
-            </a:r>
-          </a:p>
-          <a:p>
-            <a:r>
-              <a:rPr lang="en-US" dirty="0" smtClean="0"/>
-              <a:t>“{0}, {1}, {2:.2f}”.format(100, ‘Sports’, 1/ 5.0}</a:t>
-            </a:r>
-          </a:p>
-          <a:p>
-            <a:pPr lvl="1"/>
-            <a:r>
-              <a:rPr lang="en-US" dirty="0" smtClean="0"/>
-              <a:t>“100, Sports, 0.20”</a:t>
+          <a:bodyPr>
+            <a:normAutofit fontScale="77500" lnSpcReduction="20000"/>
+          </a:bodyPr>
+          <a:lstStyle/>
+          <a:p>
+            <a:r>
+              <a:rPr lang="en-US" dirty="0" err="1" smtClean="0"/>
+              <a:t>S.capitalize</a:t>
+            </a:r>
+            <a:r>
+              <a:rPr lang="en-US" dirty="0" smtClean="0"/>
+              <a:t>(..)</a:t>
+            </a:r>
+          </a:p>
+          <a:p>
+            <a:r>
+              <a:rPr lang="en-US" dirty="0" err="1" smtClean="0"/>
+              <a:t>S.endswith</a:t>
+            </a:r>
+            <a:r>
+              <a:rPr lang="en-US" dirty="0" smtClean="0"/>
+              <a:t>(..)</a:t>
+            </a:r>
+          </a:p>
+          <a:p>
+            <a:r>
+              <a:rPr lang="en-US" dirty="0" err="1" smtClean="0"/>
+              <a:t>S.Find</a:t>
+            </a:r>
+            <a:r>
+              <a:rPr lang="en-US" dirty="0" smtClean="0"/>
+              <a:t>(..)</a:t>
+            </a:r>
+          </a:p>
+          <a:p>
+            <a:r>
+              <a:rPr lang="en-US" dirty="0" err="1" smtClean="0"/>
+              <a:t>S.Format</a:t>
+            </a:r>
+            <a:r>
+              <a:rPr lang="en-US" dirty="0" smtClean="0"/>
+              <a:t>(..)</a:t>
+            </a:r>
+          </a:p>
+          <a:p>
+            <a:r>
+              <a:rPr lang="en-US" dirty="0" err="1" smtClean="0"/>
+              <a:t>S.isAlpha</a:t>
+            </a:r>
+            <a:r>
+              <a:rPr lang="en-US" dirty="0" smtClean="0"/>
+              <a:t>(..)</a:t>
+            </a:r>
+          </a:p>
+          <a:p>
+            <a:r>
+              <a:rPr lang="en-US" dirty="0" err="1" smtClean="0"/>
+              <a:t>S.isDigit</a:t>
+            </a:r>
+            <a:r>
+              <a:rPr lang="en-US" dirty="0" smtClean="0"/>
+              <a:t>(..)</a:t>
+            </a:r>
+          </a:p>
+          <a:p>
+            <a:r>
+              <a:rPr lang="en-US" b="1" dirty="0" err="1" smtClean="0"/>
+              <a:t>S.split</a:t>
+            </a:r>
+            <a:r>
+              <a:rPr lang="en-US" b="1" dirty="0" smtClean="0"/>
+              <a:t>(..)</a:t>
+            </a:r>
+          </a:p>
+          <a:p>
+            <a:r>
+              <a:rPr lang="en-US" b="1" dirty="0" err="1" smtClean="0"/>
+              <a:t>S.replace</a:t>
+            </a:r>
+            <a:r>
+              <a:rPr lang="en-US" b="1" dirty="0" smtClean="0"/>
+              <a:t>(..)</a:t>
+            </a:r>
+          </a:p>
+          <a:p>
+            <a:r>
+              <a:rPr lang="en-US" dirty="0" smtClean="0"/>
+              <a:t>And many many more</a:t>
             </a:r>
             <a:endParaRPr lang="en-US" dirty="0"/>
           </a:p>
@@ -7690,7 +7827,7 @@
     </p:spTree>
     <p:extLst>
       <p:ext uri="{BB962C8B-B14F-4D97-AF65-F5344CB8AC3E}">
-        <p14:creationId xmlns:p14="http://schemas.microsoft.com/office/powerpoint/2010/main" val="1337132790"/>
+        <p14:creationId xmlns:p14="http://schemas.microsoft.com/office/powerpoint/2010/main" val="143159840"/>
       </p:ext>
     </p:extLst>
   </p:cSld>
@@ -7741,7 +7878,7 @@
           <a:p>
             <a:r>
               <a:rPr lang="en-US" dirty="0" smtClean="0"/>
-              <a:t>String Operations</a:t>
+              <a:t>String Examples</a:t>
             </a:r>
             <a:endParaRPr lang="en-US" dirty="0"/>
           </a:p>
@@ -7759,95 +7896,48 @@
         </p:nvSpPr>
         <p:spPr/>
         <p:txBody>
-          <a:bodyPr>
-            <a:normAutofit fontScale="77500" lnSpcReduction="20000"/>
-          </a:bodyPr>
-          <a:lstStyle/>
-          <a:p>
-            <a:r>
-              <a:rPr lang="en-US" dirty="0" err="1" smtClean="0"/>
-              <a:t>S.capitalize</a:t>
-            </a:r>
-            <a:r>
-              <a:rPr lang="en-US" dirty="0" smtClean="0"/>
-              <a:t>(..)</a:t>
-            </a:r>
-          </a:p>
-          <a:p>
-            <a:r>
-              <a:rPr lang="en-US" dirty="0" err="1" smtClean="0"/>
-              <a:t>S.endswith</a:t>
-            </a:r>
-            <a:r>
-              <a:rPr lang="en-US" dirty="0" smtClean="0"/>
-              <a:t>(..)</a:t>
-            </a:r>
-          </a:p>
-          <a:p>
-            <a:r>
-              <a:rPr lang="en-US" dirty="0" err="1" smtClean="0"/>
-              <a:t>S.Find</a:t>
-            </a:r>
-            <a:r>
-              <a:rPr lang="en-US" dirty="0" smtClean="0"/>
-              <a:t>(..)</a:t>
-            </a:r>
-          </a:p>
-          <a:p>
-            <a:r>
-              <a:rPr lang="en-US" dirty="0" err="1" smtClean="0"/>
-              <a:t>S.Format</a:t>
-            </a:r>
-            <a:r>
-              <a:rPr lang="en-US" dirty="0" smtClean="0"/>
-              <a:t>(..)</a:t>
-            </a:r>
-          </a:p>
-          <a:p>
-            <a:r>
-              <a:rPr lang="en-US" dirty="0" err="1" smtClean="0"/>
-              <a:t>S.isAlpha</a:t>
-            </a:r>
-            <a:r>
-              <a:rPr lang="en-US" dirty="0" smtClean="0"/>
-              <a:t>(..)</a:t>
-            </a:r>
-          </a:p>
-          <a:p>
-            <a:r>
-              <a:rPr lang="en-US" dirty="0" err="1" smtClean="0"/>
-              <a:t>S.isDigit</a:t>
-            </a:r>
-            <a:r>
-              <a:rPr lang="en-US" dirty="0" smtClean="0"/>
-              <a:t>(..)</a:t>
-            </a:r>
-          </a:p>
-          <a:p>
-            <a:r>
-              <a:rPr lang="en-US" b="1" dirty="0" err="1" smtClean="0"/>
-              <a:t>S.split</a:t>
-            </a:r>
-            <a:r>
-              <a:rPr lang="en-US" b="1" dirty="0" smtClean="0"/>
-              <a:t>(..)</a:t>
-            </a:r>
-          </a:p>
-          <a:p>
-            <a:r>
-              <a:rPr lang="en-US" b="1" dirty="0" err="1" smtClean="0"/>
-              <a:t>S.replace</a:t>
-            </a:r>
-            <a:r>
-              <a:rPr lang="en-US" b="1" dirty="0" smtClean="0"/>
-              <a:t>(..)</a:t>
-            </a:r>
-          </a:p>
-          <a:p>
-            <a:r>
-              <a:rPr lang="en-US" dirty="0" smtClean="0"/>
-              <a:t>And many many more</a:t>
-            </a:r>
+          <a:bodyPr/>
+          <a:lstStyle/>
+          <a:p>
+            <a:r>
+              <a:rPr lang="en-US" dirty="0"/>
+              <a:t>File available at </a:t>
+            </a:r>
+            <a:r>
+              <a:rPr lang="en-US" sz="2000" dirty="0"/>
+              <a:t>https://</a:t>
+            </a:r>
+            <a:r>
+              <a:rPr lang="en-US" sz="2000" dirty="0" err="1" smtClean="0"/>
+              <a:t>github.com</a:t>
+            </a:r>
+            <a:r>
+              <a:rPr lang="en-US" sz="2000" dirty="0" smtClean="0"/>
+              <a:t>/</a:t>
+            </a:r>
+            <a:r>
+              <a:rPr lang="en-US" sz="2000" dirty="0" err="1" smtClean="0"/>
+              <a:t>ekivolowitz</a:t>
+            </a:r>
+            <a:r>
+              <a:rPr lang="en-US" sz="2000" dirty="0" smtClean="0"/>
+              <a:t>/</a:t>
+            </a:r>
+            <a:r>
+              <a:rPr lang="en-US" sz="2000" dirty="0" err="1" smtClean="0"/>
+              <a:t>PythonTalk</a:t>
+            </a:r>
+            <a:r>
+              <a:rPr lang="en-US" sz="2000" dirty="0" smtClean="0"/>
+              <a:t>/examples/</a:t>
+            </a:r>
+            <a:r>
+              <a:rPr lang="en-US" sz="2000" dirty="0" err="1" smtClean="0"/>
+              <a:t>strings.py</a:t>
+            </a:r>
+            <a:endParaRPr lang="en-US" sz="2000" dirty="0"/>
+          </a:p>
+          <a:p>
             <a:endParaRPr lang="en-US" dirty="0"/>
           </a:p>
         </p:txBody>
@@ -7924,7 +8014,7 @@
     </p:spTree>
     <p:extLst>
       <p:ext uri="{BB962C8B-B14F-4D97-AF65-F5344CB8AC3E}">
-        <p14:creationId xmlns:p14="http://schemas.microsoft.com/office/powerpoint/2010/main" val="143159840"/>
+        <p14:creationId xmlns:p14="http://schemas.microsoft.com/office/powerpoint/2010/main" val="1066752883"/>
       </p:ext>
     </p:extLst>
   </p:cSld>
@@ -8530,50 +8620,36 @@
           <a:lstStyle/>
           <a:p>
             <a:r>
-              <a:rPr lang="en-US" dirty="0" smtClean="0"/>
-              <a:t>[ expression for target1 in </a:t>
+              <a:rPr lang="en-US" dirty="0"/>
+              <a:t>File available at https://</a:t>
             </a:r>
             <a:r>
               <a:rPr lang="en-US" dirty="0" err="1" smtClean="0"/>
-              <a:t>iterable</a:t>
-            </a:r>
-            <a:r>
-              <a:rPr lang="en-US" dirty="0" smtClean="0"/>
-              <a:t> [ if condition 1] </a:t>
-            </a:r>
-            <a:r>
-              <a:rPr lang="mr-IN" dirty="0" smtClean="0"/>
-              <a:t>…</a:t>
-            </a:r>
-            <a:r>
-              <a:rPr lang="en-US" dirty="0" smtClean="0"/>
-              <a:t>]</a:t>
-            </a:r>
-          </a:p>
-          <a:p>
-            <a:r>
-              <a:rPr lang="en-US" dirty="0" smtClean="0"/>
-              <a:t>y = [x ** 2 for x in range(5)]</a:t>
-            </a:r>
-          </a:p>
-          <a:p>
-            <a:pPr lvl="1"/>
-            <a:r>
-              <a:rPr lang="en-US" dirty="0" smtClean="0"/>
-              <a:t>y = [0, 1, 4, 9, 16]</a:t>
-            </a:r>
-          </a:p>
-          <a:p>
-            <a:r>
-              <a:rPr lang="en-US" dirty="0" smtClean="0"/>
-              <a:t>y = [x for x in range(5) if x % 2 == 0]</a:t>
-            </a:r>
-          </a:p>
-          <a:p>
-            <a:pPr lvl="1"/>
-            <a:r>
-              <a:rPr lang="en-US" dirty="0" smtClean="0"/>
-              <a:t>y = [ 0, 2, 4] </a:t>
+              <a:t>github.com</a:t>
+            </a:r>
+            <a:r>
+              <a:rPr lang="en-US" dirty="0" smtClean="0"/>
+              <a:t>/</a:t>
+            </a:r>
+            <a:r>
+              <a:rPr lang="en-US" dirty="0" err="1" smtClean="0"/>
+              <a:t>ekivolowitz</a:t>
+            </a:r>
+            <a:r>
+              <a:rPr lang="en-US" dirty="0" smtClean="0"/>
+              <a:t>/</a:t>
+            </a:r>
+            <a:r>
+              <a:rPr lang="en-US" dirty="0" err="1" smtClean="0"/>
+              <a:t>PythonTalk</a:t>
+            </a:r>
+            <a:r>
+              <a:rPr lang="en-US" dirty="0" smtClean="0"/>
+              <a:t>/examples/</a:t>
+            </a:r>
+            <a:r>
+              <a:rPr lang="en-US" dirty="0" err="1" smtClean="0"/>
+              <a:t>lists.py</a:t>
             </a:r>
             <a:endParaRPr lang="en-US" dirty="0"/>
           </a:p>
@@ -9354,6 +9430,1465 @@
     <p:extLst>
       <p:ext uri="{BB962C8B-B14F-4D97-AF65-F5344CB8AC3E}">
         <p14:creationId xmlns:p14="http://schemas.microsoft.com/office/powerpoint/2010/main" val="1416556922"/>
+      </p:ext>
+    </p:extLst>
+  </p:cSld>
+  <p:clrMapOvr>
+    <a:masterClrMapping/>
+  </p:clrMapOvr>
+  <p:timing>
+    <p:tnLst>
+      <p:par>
+        <p:cTn id="1" dur="indefinite" restart="never" nodeType="tmRoot"/>
+      </p:par>
+    </p:tnLst>
+  </p:timing>
+</p:sld>
+</file>
+
+<file path=ppt/slides/slide22.xml><?xml version="1.0" encoding="utf-8"?>
+<p:sld xmlns:a="http://schemas.openxmlformats.org/drawingml/2006/main" xmlns:r="http://schemas.openxmlformats.org/officeDocument/2006/relationships" xmlns:p="http://schemas.openxmlformats.org/presentationml/2006/main">
+  <p:cSld>
+    <p:spTree>
+      <p:nvGrpSpPr>
+        <p:cNvPr id="1" name=""/>
+        <p:cNvGrpSpPr/>
+        <p:nvPr/>
+      </p:nvGrpSpPr>
+      <p:grpSpPr>
+        <a:xfrm>
+          <a:off x="0" y="0"/>
+          <a:ext cx="0" cy="0"/>
+          <a:chOff x="0" y="0"/>
+          <a:chExt cx="0" cy="0"/>
+        </a:xfrm>
+      </p:grpSpPr>
+      <p:sp>
+        <p:nvSpPr>
+          <p:cNvPr id="2" name="Title 1"/>
+          <p:cNvSpPr>
+            <a:spLocks noGrp="1"/>
+          </p:cNvSpPr>
+          <p:nvPr>
+            <p:ph type="title"/>
+          </p:nvPr>
+        </p:nvSpPr>
+        <p:spPr/>
+        <p:txBody>
+          <a:bodyPr/>
+          <a:lstStyle/>
+          <a:p>
+            <a:r>
+              <a:rPr lang="en-US" dirty="0" smtClean="0"/>
+              <a:t>Dictionary Example</a:t>
+            </a:r>
+            <a:endParaRPr lang="en-US" dirty="0"/>
+          </a:p>
+        </p:txBody>
+      </p:sp>
+      <p:sp>
+        <p:nvSpPr>
+          <p:cNvPr id="3" name="Content Placeholder 2"/>
+          <p:cNvSpPr>
+            <a:spLocks noGrp="1"/>
+          </p:cNvSpPr>
+          <p:nvPr>
+            <p:ph idx="1"/>
+          </p:nvPr>
+        </p:nvSpPr>
+        <p:spPr/>
+        <p:txBody>
+          <a:bodyPr/>
+          <a:lstStyle/>
+          <a:p>
+            <a:r>
+              <a:rPr lang="en-US" dirty="0"/>
+              <a:t>https://</a:t>
+            </a:r>
+            <a:r>
+              <a:rPr lang="en-US" dirty="0" err="1" smtClean="0"/>
+              <a:t>github.com</a:t>
+            </a:r>
+            <a:r>
+              <a:rPr lang="en-US" dirty="0" smtClean="0"/>
+              <a:t>/</a:t>
+            </a:r>
+            <a:r>
+              <a:rPr lang="en-US" dirty="0" err="1" smtClean="0"/>
+              <a:t>ekivolowitz</a:t>
+            </a:r>
+            <a:r>
+              <a:rPr lang="en-US" dirty="0" smtClean="0"/>
+              <a:t>/</a:t>
+            </a:r>
+            <a:r>
+              <a:rPr lang="en-US" dirty="0" err="1" smtClean="0"/>
+              <a:t>PythonTalk</a:t>
+            </a:r>
+            <a:r>
+              <a:rPr lang="en-US" dirty="0" smtClean="0"/>
+              <a:t>/examples/</a:t>
+            </a:r>
+            <a:r>
+              <a:rPr lang="en-US" dirty="0" err="1" smtClean="0"/>
+              <a:t>dictionaries.py</a:t>
+            </a:r>
+            <a:endParaRPr lang="en-US" dirty="0"/>
+          </a:p>
+          <a:p>
+            <a:endParaRPr lang="en-US" dirty="0"/>
+          </a:p>
+        </p:txBody>
+      </p:sp>
+      <p:sp>
+        <p:nvSpPr>
+          <p:cNvPr id="4" name="Date Placeholder 3"/>
+          <p:cNvSpPr>
+            <a:spLocks noGrp="1"/>
+          </p:cNvSpPr>
+          <p:nvPr>
+            <p:ph type="dt" sz="half" idx="10"/>
+          </p:nvPr>
+        </p:nvSpPr>
+        <p:spPr/>
+        <p:txBody>
+          <a:bodyPr/>
+          <a:lstStyle/>
+          <a:p>
+            <a:fld id="{45E24716-CF8B-574D-B4F2-A149D4F36AB2}" type="datetime1">
+              <a:rPr lang="en-US" smtClean="0"/>
+              <a:t>10/25/17</a:t>
+            </a:fld>
+            <a:endParaRPr lang="en-US"/>
+          </a:p>
+        </p:txBody>
+      </p:sp>
+      <p:sp>
+        <p:nvSpPr>
+          <p:cNvPr id="5" name="Footer Placeholder 4"/>
+          <p:cNvSpPr>
+            <a:spLocks noGrp="1"/>
+          </p:cNvSpPr>
+          <p:nvPr>
+            <p:ph type="ftr" sz="quarter" idx="11"/>
+          </p:nvPr>
+        </p:nvSpPr>
+        <p:spPr/>
+        <p:txBody>
+          <a:bodyPr/>
+          <a:lstStyle/>
+          <a:p>
+            <a:r>
+              <a:rPr lang="en-US" smtClean="0"/>
+              <a:t>Evan Kivolowitz | UPL</a:t>
+            </a:r>
+            <a:endParaRPr lang="en-US"/>
+          </a:p>
+        </p:txBody>
+      </p:sp>
+      <p:sp>
+        <p:nvSpPr>
+          <p:cNvPr id="6" name="Slide Number Placeholder 5"/>
+          <p:cNvSpPr>
+            <a:spLocks noGrp="1"/>
+          </p:cNvSpPr>
+          <p:nvPr>
+            <p:ph type="sldNum" sz="quarter" idx="12"/>
+          </p:nvPr>
+        </p:nvSpPr>
+        <p:spPr/>
+        <p:txBody>
+          <a:bodyPr/>
+          <a:lstStyle/>
+          <a:p>
+            <a:fld id="{F3DFDC79-70A2-3548-B6F8-DED93A720197}" type="slidenum">
+              <a:rPr lang="en-US" smtClean="0"/>
+              <a:t>22</a:t>
+            </a:fld>
+            <a:endParaRPr lang="en-US"/>
+          </a:p>
+        </p:txBody>
+      </p:sp>
+    </p:spTree>
+    <p:extLst>
+      <p:ext uri="{BB962C8B-B14F-4D97-AF65-F5344CB8AC3E}">
+        <p14:creationId xmlns:p14="http://schemas.microsoft.com/office/powerpoint/2010/main" val="879465938"/>
+      </p:ext>
+    </p:extLst>
+  </p:cSld>
+  <p:clrMapOvr>
+    <a:masterClrMapping/>
+  </p:clrMapOvr>
+  <p:timing>
+    <p:tnLst>
+      <p:par>
+        <p:cTn id="1" dur="indefinite" restart="never" nodeType="tmRoot"/>
+      </p:par>
+    </p:tnLst>
+  </p:timing>
+</p:sld>
+</file>
+
+<file path=ppt/slides/slide23.xml><?xml version="1.0" encoding="utf-8"?>
+<p:sld xmlns:a="http://schemas.openxmlformats.org/drawingml/2006/main" xmlns:r="http://schemas.openxmlformats.org/officeDocument/2006/relationships" xmlns:p="http://schemas.openxmlformats.org/presentationml/2006/main">
+  <p:cSld>
+    <p:spTree>
+      <p:nvGrpSpPr>
+        <p:cNvPr id="1" name=""/>
+        <p:cNvGrpSpPr/>
+        <p:nvPr/>
+      </p:nvGrpSpPr>
+      <p:grpSpPr>
+        <a:xfrm>
+          <a:off x="0" y="0"/>
+          <a:ext cx="0" cy="0"/>
+          <a:chOff x="0" y="0"/>
+          <a:chExt cx="0" cy="0"/>
+        </a:xfrm>
+      </p:grpSpPr>
+      <p:sp>
+        <p:nvSpPr>
+          <p:cNvPr id="2" name="Title 1"/>
+          <p:cNvSpPr>
+            <a:spLocks noGrp="1"/>
+          </p:cNvSpPr>
+          <p:nvPr>
+            <p:ph type="title"/>
+          </p:nvPr>
+        </p:nvSpPr>
+        <p:spPr/>
+        <p:txBody>
+          <a:bodyPr/>
+          <a:lstStyle/>
+          <a:p>
+            <a:r>
+              <a:rPr lang="en-US" dirty="0" smtClean="0"/>
+              <a:t>Tuples</a:t>
+            </a:r>
+            <a:endParaRPr lang="en-US" dirty="0"/>
+          </a:p>
+        </p:txBody>
+      </p:sp>
+      <p:sp>
+        <p:nvSpPr>
+          <p:cNvPr id="3" name="Content Placeholder 2"/>
+          <p:cNvSpPr>
+            <a:spLocks noGrp="1"/>
+          </p:cNvSpPr>
+          <p:nvPr>
+            <p:ph idx="1"/>
+          </p:nvPr>
+        </p:nvSpPr>
+        <p:spPr/>
+        <p:txBody>
+          <a:bodyPr/>
+          <a:lstStyle/>
+          <a:p>
+            <a:r>
+              <a:rPr lang="en-US" dirty="0" smtClean="0"/>
+              <a:t>Immutable list</a:t>
+            </a:r>
+          </a:p>
+          <a:p>
+            <a:r>
+              <a:rPr lang="en-US" dirty="0" smtClean="0"/>
+              <a:t>Index and count</a:t>
+            </a:r>
+          </a:p>
+          <a:p>
+            <a:pPr lvl="1"/>
+            <a:r>
+              <a:rPr lang="en-US" dirty="0" smtClean="0"/>
+              <a:t>Returns index of an element (like list)</a:t>
+            </a:r>
+          </a:p>
+          <a:p>
+            <a:pPr lvl="1"/>
+            <a:r>
+              <a:rPr lang="en-US" dirty="0" smtClean="0"/>
+              <a:t>Returns number of instances of object in tuple (like list)</a:t>
+            </a:r>
+          </a:p>
+          <a:p>
+            <a:r>
+              <a:rPr lang="en-US" dirty="0" smtClean="0"/>
+              <a:t>Created with ()</a:t>
+            </a:r>
+            <a:endParaRPr lang="en-US" dirty="0"/>
+          </a:p>
+        </p:txBody>
+      </p:sp>
+      <p:sp>
+        <p:nvSpPr>
+          <p:cNvPr id="4" name="Date Placeholder 3"/>
+          <p:cNvSpPr>
+            <a:spLocks noGrp="1"/>
+          </p:cNvSpPr>
+          <p:nvPr>
+            <p:ph type="dt" sz="half" idx="10"/>
+          </p:nvPr>
+        </p:nvSpPr>
+        <p:spPr/>
+        <p:txBody>
+          <a:bodyPr/>
+          <a:lstStyle/>
+          <a:p>
+            <a:fld id="{45E24716-CF8B-574D-B4F2-A149D4F36AB2}" type="datetime1">
+              <a:rPr lang="en-US" smtClean="0"/>
+              <a:t>10/25/17</a:t>
+            </a:fld>
+            <a:endParaRPr lang="en-US"/>
+          </a:p>
+        </p:txBody>
+      </p:sp>
+      <p:sp>
+        <p:nvSpPr>
+          <p:cNvPr id="5" name="Footer Placeholder 4"/>
+          <p:cNvSpPr>
+            <a:spLocks noGrp="1"/>
+          </p:cNvSpPr>
+          <p:nvPr>
+            <p:ph type="ftr" sz="quarter" idx="11"/>
+          </p:nvPr>
+        </p:nvSpPr>
+        <p:spPr/>
+        <p:txBody>
+          <a:bodyPr/>
+          <a:lstStyle/>
+          <a:p>
+            <a:r>
+              <a:rPr lang="en-US" smtClean="0"/>
+              <a:t>Evan Kivolowitz | UPL</a:t>
+            </a:r>
+            <a:endParaRPr lang="en-US"/>
+          </a:p>
+        </p:txBody>
+      </p:sp>
+      <p:sp>
+        <p:nvSpPr>
+          <p:cNvPr id="6" name="Slide Number Placeholder 5"/>
+          <p:cNvSpPr>
+            <a:spLocks noGrp="1"/>
+          </p:cNvSpPr>
+          <p:nvPr>
+            <p:ph type="sldNum" sz="quarter" idx="12"/>
+          </p:nvPr>
+        </p:nvSpPr>
+        <p:spPr/>
+        <p:txBody>
+          <a:bodyPr/>
+          <a:lstStyle/>
+          <a:p>
+            <a:fld id="{F3DFDC79-70A2-3548-B6F8-DED93A720197}" type="slidenum">
+              <a:rPr lang="en-US" smtClean="0"/>
+              <a:t>23</a:t>
+            </a:fld>
+            <a:endParaRPr lang="en-US"/>
+          </a:p>
+        </p:txBody>
+      </p:sp>
+    </p:spTree>
+    <p:extLst>
+      <p:ext uri="{BB962C8B-B14F-4D97-AF65-F5344CB8AC3E}">
+        <p14:creationId xmlns:p14="http://schemas.microsoft.com/office/powerpoint/2010/main" val="1682329926"/>
+      </p:ext>
+    </p:extLst>
+  </p:cSld>
+  <p:clrMapOvr>
+    <a:masterClrMapping/>
+  </p:clrMapOvr>
+  <p:timing>
+    <p:tnLst>
+      <p:par>
+        <p:cTn id="1" dur="indefinite" restart="never" nodeType="tmRoot"/>
+      </p:par>
+    </p:tnLst>
+  </p:timing>
+</p:sld>
+</file>
+
+<file path=ppt/slides/slide24.xml><?xml version="1.0" encoding="utf-8"?>
+<p:sld xmlns:a="http://schemas.openxmlformats.org/drawingml/2006/main" xmlns:r="http://schemas.openxmlformats.org/officeDocument/2006/relationships" xmlns:p="http://schemas.openxmlformats.org/presentationml/2006/main">
+  <p:cSld>
+    <p:spTree>
+      <p:nvGrpSpPr>
+        <p:cNvPr id="1" name=""/>
+        <p:cNvGrpSpPr/>
+        <p:nvPr/>
+      </p:nvGrpSpPr>
+      <p:grpSpPr>
+        <a:xfrm>
+          <a:off x="0" y="0"/>
+          <a:ext cx="0" cy="0"/>
+          <a:chOff x="0" y="0"/>
+          <a:chExt cx="0" cy="0"/>
+        </a:xfrm>
+      </p:grpSpPr>
+      <p:sp>
+        <p:nvSpPr>
+          <p:cNvPr id="2" name="Title 1"/>
+          <p:cNvSpPr>
+            <a:spLocks noGrp="1"/>
+          </p:cNvSpPr>
+          <p:nvPr>
+            <p:ph type="title"/>
+          </p:nvPr>
+        </p:nvSpPr>
+        <p:spPr/>
+        <p:txBody>
+          <a:bodyPr/>
+          <a:lstStyle/>
+          <a:p>
+            <a:r>
+              <a:rPr lang="en-US" dirty="0" smtClean="0"/>
+              <a:t>Files</a:t>
+            </a:r>
+            <a:endParaRPr lang="en-US" dirty="0"/>
+          </a:p>
+        </p:txBody>
+      </p:sp>
+      <p:sp>
+        <p:nvSpPr>
+          <p:cNvPr id="3" name="Content Placeholder 2"/>
+          <p:cNvSpPr>
+            <a:spLocks noGrp="1"/>
+          </p:cNvSpPr>
+          <p:nvPr>
+            <p:ph idx="1"/>
+          </p:nvPr>
+        </p:nvSpPr>
+        <p:spPr/>
+        <p:txBody>
+          <a:bodyPr/>
+          <a:lstStyle/>
+          <a:p>
+            <a:r>
+              <a:rPr lang="en-US" dirty="0" smtClean="0"/>
+              <a:t>Reading and writing to and from files</a:t>
+            </a:r>
+          </a:p>
+          <a:p>
+            <a:r>
+              <a:rPr lang="en-US" dirty="0" smtClean="0"/>
+              <a:t>with</a:t>
+            </a:r>
+          </a:p>
+          <a:p>
+            <a:r>
+              <a:rPr lang="en-US" dirty="0" smtClean="0"/>
+              <a:t>Files are </a:t>
+            </a:r>
+            <a:r>
+              <a:rPr lang="en-US" dirty="0" err="1" smtClean="0"/>
+              <a:t>iterable</a:t>
+            </a:r>
+            <a:r>
+              <a:rPr lang="en-US" dirty="0" smtClean="0"/>
+              <a:t>!!!</a:t>
+            </a:r>
+          </a:p>
+          <a:p>
+            <a:endParaRPr lang="en-US" dirty="0" smtClean="0"/>
+          </a:p>
+          <a:p>
+            <a:endParaRPr lang="en-US" dirty="0"/>
+          </a:p>
+        </p:txBody>
+      </p:sp>
+      <p:sp>
+        <p:nvSpPr>
+          <p:cNvPr id="4" name="Date Placeholder 3"/>
+          <p:cNvSpPr>
+            <a:spLocks noGrp="1"/>
+          </p:cNvSpPr>
+          <p:nvPr>
+            <p:ph type="dt" sz="half" idx="10"/>
+          </p:nvPr>
+        </p:nvSpPr>
+        <p:spPr/>
+        <p:txBody>
+          <a:bodyPr/>
+          <a:lstStyle/>
+          <a:p>
+            <a:fld id="{45E24716-CF8B-574D-B4F2-A149D4F36AB2}" type="datetime1">
+              <a:rPr lang="en-US" smtClean="0"/>
+              <a:t>10/25/17</a:t>
+            </a:fld>
+            <a:endParaRPr lang="en-US"/>
+          </a:p>
+        </p:txBody>
+      </p:sp>
+      <p:sp>
+        <p:nvSpPr>
+          <p:cNvPr id="5" name="Footer Placeholder 4"/>
+          <p:cNvSpPr>
+            <a:spLocks noGrp="1"/>
+          </p:cNvSpPr>
+          <p:nvPr>
+            <p:ph type="ftr" sz="quarter" idx="11"/>
+          </p:nvPr>
+        </p:nvSpPr>
+        <p:spPr/>
+        <p:txBody>
+          <a:bodyPr/>
+          <a:lstStyle/>
+          <a:p>
+            <a:r>
+              <a:rPr lang="en-US" smtClean="0"/>
+              <a:t>Evan Kivolowitz | UPL</a:t>
+            </a:r>
+            <a:endParaRPr lang="en-US"/>
+          </a:p>
+        </p:txBody>
+      </p:sp>
+      <p:sp>
+        <p:nvSpPr>
+          <p:cNvPr id="6" name="Slide Number Placeholder 5"/>
+          <p:cNvSpPr>
+            <a:spLocks noGrp="1"/>
+          </p:cNvSpPr>
+          <p:nvPr>
+            <p:ph type="sldNum" sz="quarter" idx="12"/>
+          </p:nvPr>
+        </p:nvSpPr>
+        <p:spPr/>
+        <p:txBody>
+          <a:bodyPr/>
+          <a:lstStyle/>
+          <a:p>
+            <a:fld id="{F3DFDC79-70A2-3548-B6F8-DED93A720197}" type="slidenum">
+              <a:rPr lang="en-US" smtClean="0"/>
+              <a:t>24</a:t>
+            </a:fld>
+            <a:endParaRPr lang="en-US"/>
+          </a:p>
+        </p:txBody>
+      </p:sp>
+    </p:spTree>
+    <p:extLst>
+      <p:ext uri="{BB962C8B-B14F-4D97-AF65-F5344CB8AC3E}">
+        <p14:creationId xmlns:p14="http://schemas.microsoft.com/office/powerpoint/2010/main" val="1772214413"/>
+      </p:ext>
+    </p:extLst>
+  </p:cSld>
+  <p:clrMapOvr>
+    <a:masterClrMapping/>
+  </p:clrMapOvr>
+  <p:timing>
+    <p:tnLst>
+      <p:par>
+        <p:cTn id="1" dur="indefinite" restart="never" nodeType="tmRoot"/>
+      </p:par>
+    </p:tnLst>
+  </p:timing>
+</p:sld>
+</file>
+
+<file path=ppt/slides/slide25.xml><?xml version="1.0" encoding="utf-8"?>
+<p:sld xmlns:a="http://schemas.openxmlformats.org/drawingml/2006/main" xmlns:r="http://schemas.openxmlformats.org/officeDocument/2006/relationships" xmlns:p="http://schemas.openxmlformats.org/presentationml/2006/main">
+  <p:cSld>
+    <p:spTree>
+      <p:nvGrpSpPr>
+        <p:cNvPr id="1" name=""/>
+        <p:cNvGrpSpPr/>
+        <p:nvPr/>
+      </p:nvGrpSpPr>
+      <p:grpSpPr>
+        <a:xfrm>
+          <a:off x="0" y="0"/>
+          <a:ext cx="0" cy="0"/>
+          <a:chOff x="0" y="0"/>
+          <a:chExt cx="0" cy="0"/>
+        </a:xfrm>
+      </p:grpSpPr>
+      <p:sp>
+        <p:nvSpPr>
+          <p:cNvPr id="2" name="Title 1"/>
+          <p:cNvSpPr>
+            <a:spLocks noGrp="1"/>
+          </p:cNvSpPr>
+          <p:nvPr>
+            <p:ph type="title"/>
+          </p:nvPr>
+        </p:nvSpPr>
+        <p:spPr/>
+        <p:txBody>
+          <a:bodyPr/>
+          <a:lstStyle/>
+          <a:p>
+            <a:r>
+              <a:rPr lang="en-US" dirty="0" smtClean="0"/>
+              <a:t>File functions</a:t>
+            </a:r>
+            <a:endParaRPr lang="en-US" dirty="0"/>
+          </a:p>
+        </p:txBody>
+      </p:sp>
+      <p:sp>
+        <p:nvSpPr>
+          <p:cNvPr id="3" name="Content Placeholder 2"/>
+          <p:cNvSpPr>
+            <a:spLocks noGrp="1"/>
+          </p:cNvSpPr>
+          <p:nvPr>
+            <p:ph idx="1"/>
+          </p:nvPr>
+        </p:nvSpPr>
+        <p:spPr/>
+        <p:txBody>
+          <a:bodyPr/>
+          <a:lstStyle/>
+          <a:p>
+            <a:r>
+              <a:rPr lang="en-US" dirty="0" err="1" smtClean="0"/>
+              <a:t>F.read</a:t>
+            </a:r>
+            <a:r>
+              <a:rPr lang="en-US" dirty="0" smtClean="0"/>
+              <a:t>()</a:t>
+            </a:r>
+          </a:p>
+          <a:p>
+            <a:r>
+              <a:rPr lang="en-US" dirty="0" err="1" smtClean="0"/>
+              <a:t>F.readline</a:t>
+            </a:r>
+            <a:r>
+              <a:rPr lang="en-US" dirty="0" smtClean="0"/>
+              <a:t>()</a:t>
+            </a:r>
+          </a:p>
+          <a:p>
+            <a:r>
+              <a:rPr lang="en-US" dirty="0" err="1" smtClean="0"/>
+              <a:t>F.readlines</a:t>
+            </a:r>
+            <a:r>
+              <a:rPr lang="en-US" dirty="0" smtClean="0"/>
+              <a:t>()</a:t>
+            </a:r>
+            <a:endParaRPr lang="en-US" dirty="0"/>
+          </a:p>
+        </p:txBody>
+      </p:sp>
+      <p:sp>
+        <p:nvSpPr>
+          <p:cNvPr id="4" name="Date Placeholder 3"/>
+          <p:cNvSpPr>
+            <a:spLocks noGrp="1"/>
+          </p:cNvSpPr>
+          <p:nvPr>
+            <p:ph type="dt" sz="half" idx="10"/>
+          </p:nvPr>
+        </p:nvSpPr>
+        <p:spPr/>
+        <p:txBody>
+          <a:bodyPr/>
+          <a:lstStyle/>
+          <a:p>
+            <a:fld id="{45E24716-CF8B-574D-B4F2-A149D4F36AB2}" type="datetime1">
+              <a:rPr lang="en-US" smtClean="0"/>
+              <a:t>10/25/17</a:t>
+            </a:fld>
+            <a:endParaRPr lang="en-US"/>
+          </a:p>
+        </p:txBody>
+      </p:sp>
+      <p:sp>
+        <p:nvSpPr>
+          <p:cNvPr id="5" name="Footer Placeholder 4"/>
+          <p:cNvSpPr>
+            <a:spLocks noGrp="1"/>
+          </p:cNvSpPr>
+          <p:nvPr>
+            <p:ph type="ftr" sz="quarter" idx="11"/>
+          </p:nvPr>
+        </p:nvSpPr>
+        <p:spPr/>
+        <p:txBody>
+          <a:bodyPr/>
+          <a:lstStyle/>
+          <a:p>
+            <a:r>
+              <a:rPr lang="en-US" smtClean="0"/>
+              <a:t>Evan Kivolowitz | UPL</a:t>
+            </a:r>
+            <a:endParaRPr lang="en-US"/>
+          </a:p>
+        </p:txBody>
+      </p:sp>
+      <p:sp>
+        <p:nvSpPr>
+          <p:cNvPr id="6" name="Slide Number Placeholder 5"/>
+          <p:cNvSpPr>
+            <a:spLocks noGrp="1"/>
+          </p:cNvSpPr>
+          <p:nvPr>
+            <p:ph type="sldNum" sz="quarter" idx="12"/>
+          </p:nvPr>
+        </p:nvSpPr>
+        <p:spPr/>
+        <p:txBody>
+          <a:bodyPr/>
+          <a:lstStyle/>
+          <a:p>
+            <a:fld id="{F3DFDC79-70A2-3548-B6F8-DED93A720197}" type="slidenum">
+              <a:rPr lang="en-US" smtClean="0"/>
+              <a:t>25</a:t>
+            </a:fld>
+            <a:endParaRPr lang="en-US"/>
+          </a:p>
+        </p:txBody>
+      </p:sp>
+    </p:spTree>
+    <p:extLst>
+      <p:ext uri="{BB962C8B-B14F-4D97-AF65-F5344CB8AC3E}">
+        <p14:creationId xmlns:p14="http://schemas.microsoft.com/office/powerpoint/2010/main" val="1986509595"/>
+      </p:ext>
+    </p:extLst>
+  </p:cSld>
+  <p:clrMapOvr>
+    <a:masterClrMapping/>
+  </p:clrMapOvr>
+  <p:timing>
+    <p:tnLst>
+      <p:par>
+        <p:cTn id="1" dur="indefinite" restart="never" nodeType="tmRoot"/>
+      </p:par>
+    </p:tnLst>
+  </p:timing>
+</p:sld>
+</file>
+
+<file path=ppt/slides/slide26.xml><?xml version="1.0" encoding="utf-8"?>
+<p:sld xmlns:a="http://schemas.openxmlformats.org/drawingml/2006/main" xmlns:r="http://schemas.openxmlformats.org/officeDocument/2006/relationships" xmlns:p="http://schemas.openxmlformats.org/presentationml/2006/main">
+  <p:cSld>
+    <p:spTree>
+      <p:nvGrpSpPr>
+        <p:cNvPr id="1" name=""/>
+        <p:cNvGrpSpPr/>
+        <p:nvPr/>
+      </p:nvGrpSpPr>
+      <p:grpSpPr>
+        <a:xfrm>
+          <a:off x="0" y="0"/>
+          <a:ext cx="0" cy="0"/>
+          <a:chOff x="0" y="0"/>
+          <a:chExt cx="0" cy="0"/>
+        </a:xfrm>
+      </p:grpSpPr>
+      <p:sp>
+        <p:nvSpPr>
+          <p:cNvPr id="2" name="Title 1"/>
+          <p:cNvSpPr>
+            <a:spLocks noGrp="1"/>
+          </p:cNvSpPr>
+          <p:nvPr>
+            <p:ph type="title"/>
+          </p:nvPr>
+        </p:nvSpPr>
+        <p:spPr/>
+        <p:txBody>
+          <a:bodyPr/>
+          <a:lstStyle/>
+          <a:p>
+            <a:r>
+              <a:rPr lang="en-US" dirty="0" smtClean="0"/>
+              <a:t>Reserved Words</a:t>
+            </a:r>
+            <a:endParaRPr lang="en-US" dirty="0"/>
+          </a:p>
+        </p:txBody>
+      </p:sp>
+      <p:pic>
+        <p:nvPicPr>
+          <p:cNvPr id="7" name="Content Placeholder 6"/>
+          <p:cNvPicPr>
+            <a:picLocks noGrp="1" noChangeAspect="1"/>
+          </p:cNvPicPr>
+          <p:nvPr>
+            <p:ph idx="1"/>
+          </p:nvPr>
+        </p:nvPicPr>
+        <p:blipFill>
+          <a:blip r:embed="rId2">
+            <a:extLst>
+              <a:ext uri="{28A0092B-C50C-407E-A947-70E740481C1C}">
+                <a14:useLocalDpi xmlns:a14="http://schemas.microsoft.com/office/drawing/2010/main" val="0"/>
+              </a:ext>
+            </a:extLst>
+          </a:blip>
+          <a:stretch>
+            <a:fillRect/>
+          </a:stretch>
+        </p:blipFill>
+        <p:spPr>
+          <a:xfrm>
+            <a:off x="1260987" y="1857704"/>
+            <a:ext cx="4004695" cy="4231510"/>
+          </a:xfrm>
+        </p:spPr>
+      </p:pic>
+      <p:sp>
+        <p:nvSpPr>
+          <p:cNvPr id="4" name="Date Placeholder 3"/>
+          <p:cNvSpPr>
+            <a:spLocks noGrp="1"/>
+          </p:cNvSpPr>
+          <p:nvPr>
+            <p:ph type="dt" sz="half" idx="10"/>
+          </p:nvPr>
+        </p:nvSpPr>
+        <p:spPr/>
+        <p:txBody>
+          <a:bodyPr/>
+          <a:lstStyle/>
+          <a:p>
+            <a:fld id="{45E24716-CF8B-574D-B4F2-A149D4F36AB2}" type="datetime1">
+              <a:rPr lang="en-US" smtClean="0"/>
+              <a:t>10/25/17</a:t>
+            </a:fld>
+            <a:endParaRPr lang="en-US"/>
+          </a:p>
+        </p:txBody>
+      </p:sp>
+      <p:sp>
+        <p:nvSpPr>
+          <p:cNvPr id="5" name="Footer Placeholder 4"/>
+          <p:cNvSpPr>
+            <a:spLocks noGrp="1"/>
+          </p:cNvSpPr>
+          <p:nvPr>
+            <p:ph type="ftr" sz="quarter" idx="11"/>
+          </p:nvPr>
+        </p:nvSpPr>
+        <p:spPr/>
+        <p:txBody>
+          <a:bodyPr/>
+          <a:lstStyle/>
+          <a:p>
+            <a:r>
+              <a:rPr lang="en-US" smtClean="0"/>
+              <a:t>Evan Kivolowitz | UPL</a:t>
+            </a:r>
+            <a:endParaRPr lang="en-US"/>
+          </a:p>
+        </p:txBody>
+      </p:sp>
+      <p:sp>
+        <p:nvSpPr>
+          <p:cNvPr id="6" name="Slide Number Placeholder 5"/>
+          <p:cNvSpPr>
+            <a:spLocks noGrp="1"/>
+          </p:cNvSpPr>
+          <p:nvPr>
+            <p:ph type="sldNum" sz="quarter" idx="12"/>
+          </p:nvPr>
+        </p:nvSpPr>
+        <p:spPr/>
+        <p:txBody>
+          <a:bodyPr/>
+          <a:lstStyle/>
+          <a:p>
+            <a:fld id="{F3DFDC79-70A2-3548-B6F8-DED93A720197}" type="slidenum">
+              <a:rPr lang="en-US" smtClean="0"/>
+              <a:t>26</a:t>
+            </a:fld>
+            <a:endParaRPr lang="en-US"/>
+          </a:p>
+        </p:txBody>
+      </p:sp>
+    </p:spTree>
+    <p:extLst>
+      <p:ext uri="{BB962C8B-B14F-4D97-AF65-F5344CB8AC3E}">
+        <p14:creationId xmlns:p14="http://schemas.microsoft.com/office/powerpoint/2010/main" val="1430089662"/>
+      </p:ext>
+    </p:extLst>
+  </p:cSld>
+  <p:clrMapOvr>
+    <a:masterClrMapping/>
+  </p:clrMapOvr>
+  <p:timing>
+    <p:tnLst>
+      <p:par>
+        <p:cTn id="1" dur="indefinite" restart="never" nodeType="tmRoot"/>
+      </p:par>
+    </p:tnLst>
+  </p:timing>
+</p:sld>
+</file>
+
+<file path=ppt/slides/slide27.xml><?xml version="1.0" encoding="utf-8"?>
+<p:sld xmlns:a="http://schemas.openxmlformats.org/drawingml/2006/main" xmlns:r="http://schemas.openxmlformats.org/officeDocument/2006/relationships" xmlns:p="http://schemas.openxmlformats.org/presentationml/2006/main">
+  <p:cSld>
+    <p:spTree>
+      <p:nvGrpSpPr>
+        <p:cNvPr id="1" name=""/>
+        <p:cNvGrpSpPr/>
+        <p:nvPr/>
+      </p:nvGrpSpPr>
+      <p:grpSpPr>
+        <a:xfrm>
+          <a:off x="0" y="0"/>
+          <a:ext cx="0" cy="0"/>
+          <a:chOff x="0" y="0"/>
+          <a:chExt cx="0" cy="0"/>
+        </a:xfrm>
+      </p:grpSpPr>
+      <p:sp>
+        <p:nvSpPr>
+          <p:cNvPr id="2" name="Title 1"/>
+          <p:cNvSpPr>
+            <a:spLocks noGrp="1"/>
+          </p:cNvSpPr>
+          <p:nvPr>
+            <p:ph type="title"/>
+          </p:nvPr>
+        </p:nvSpPr>
+        <p:spPr/>
+        <p:txBody>
+          <a:bodyPr/>
+          <a:lstStyle/>
+          <a:p>
+            <a:r>
+              <a:rPr lang="en-US" dirty="0" smtClean="0"/>
+              <a:t>Specific Statements</a:t>
+            </a:r>
+            <a:endParaRPr lang="en-US" dirty="0"/>
+          </a:p>
+        </p:txBody>
+      </p:sp>
+      <p:sp>
+        <p:nvSpPr>
+          <p:cNvPr id="3" name="Content Placeholder 2"/>
+          <p:cNvSpPr>
+            <a:spLocks noGrp="1"/>
+          </p:cNvSpPr>
+          <p:nvPr>
+            <p:ph idx="1"/>
+          </p:nvPr>
+        </p:nvSpPr>
+        <p:spPr/>
+        <p:txBody>
+          <a:bodyPr>
+            <a:normAutofit fontScale="92500" lnSpcReduction="10000"/>
+          </a:bodyPr>
+          <a:lstStyle/>
+          <a:p>
+            <a:r>
+              <a:rPr lang="en-US" dirty="0" smtClean="0"/>
+              <a:t>if / </a:t>
+            </a:r>
+            <a:r>
+              <a:rPr lang="en-US" dirty="0" err="1" smtClean="0"/>
+              <a:t>elif</a:t>
+            </a:r>
+            <a:endParaRPr lang="en-US" dirty="0" smtClean="0"/>
+          </a:p>
+          <a:p>
+            <a:r>
+              <a:rPr lang="en-US" dirty="0" smtClean="0"/>
+              <a:t>while</a:t>
+            </a:r>
+          </a:p>
+          <a:p>
+            <a:r>
+              <a:rPr lang="en-US" dirty="0" smtClean="0"/>
+              <a:t>for</a:t>
+            </a:r>
+          </a:p>
+          <a:p>
+            <a:r>
+              <a:rPr lang="en-US" dirty="0" smtClean="0"/>
+              <a:t>pass</a:t>
+            </a:r>
+          </a:p>
+          <a:p>
+            <a:r>
+              <a:rPr lang="en-US" dirty="0" smtClean="0"/>
+              <a:t>break</a:t>
+            </a:r>
+          </a:p>
+          <a:p>
+            <a:r>
+              <a:rPr lang="en-US" dirty="0" smtClean="0"/>
+              <a:t>continue</a:t>
+            </a:r>
+          </a:p>
+          <a:p>
+            <a:r>
+              <a:rPr lang="en-US" dirty="0" err="1" smtClean="0"/>
+              <a:t>def</a:t>
+            </a:r>
+            <a:endParaRPr lang="en-US" dirty="0" smtClean="0"/>
+          </a:p>
+          <a:p>
+            <a:endParaRPr lang="en-US" dirty="0" smtClean="0"/>
+          </a:p>
+          <a:p>
+            <a:endParaRPr lang="en-US" dirty="0" smtClean="0"/>
+          </a:p>
+        </p:txBody>
+      </p:sp>
+      <p:sp>
+        <p:nvSpPr>
+          <p:cNvPr id="4" name="Date Placeholder 3"/>
+          <p:cNvSpPr>
+            <a:spLocks noGrp="1"/>
+          </p:cNvSpPr>
+          <p:nvPr>
+            <p:ph type="dt" sz="half" idx="10"/>
+          </p:nvPr>
+        </p:nvSpPr>
+        <p:spPr/>
+        <p:txBody>
+          <a:bodyPr/>
+          <a:lstStyle/>
+          <a:p>
+            <a:fld id="{45E24716-CF8B-574D-B4F2-A149D4F36AB2}" type="datetime1">
+              <a:rPr lang="en-US" smtClean="0"/>
+              <a:t>10/25/17</a:t>
+            </a:fld>
+            <a:endParaRPr lang="en-US"/>
+          </a:p>
+        </p:txBody>
+      </p:sp>
+      <p:sp>
+        <p:nvSpPr>
+          <p:cNvPr id="5" name="Footer Placeholder 4"/>
+          <p:cNvSpPr>
+            <a:spLocks noGrp="1"/>
+          </p:cNvSpPr>
+          <p:nvPr>
+            <p:ph type="ftr" sz="quarter" idx="11"/>
+          </p:nvPr>
+        </p:nvSpPr>
+        <p:spPr/>
+        <p:txBody>
+          <a:bodyPr/>
+          <a:lstStyle/>
+          <a:p>
+            <a:r>
+              <a:rPr lang="en-US" smtClean="0"/>
+              <a:t>Evan Kivolowitz | UPL</a:t>
+            </a:r>
+            <a:endParaRPr lang="en-US"/>
+          </a:p>
+        </p:txBody>
+      </p:sp>
+      <p:sp>
+        <p:nvSpPr>
+          <p:cNvPr id="6" name="Slide Number Placeholder 5"/>
+          <p:cNvSpPr>
+            <a:spLocks noGrp="1"/>
+          </p:cNvSpPr>
+          <p:nvPr>
+            <p:ph type="sldNum" sz="quarter" idx="12"/>
+          </p:nvPr>
+        </p:nvSpPr>
+        <p:spPr/>
+        <p:txBody>
+          <a:bodyPr/>
+          <a:lstStyle/>
+          <a:p>
+            <a:fld id="{F3DFDC79-70A2-3548-B6F8-DED93A720197}" type="slidenum">
+              <a:rPr lang="en-US" smtClean="0"/>
+              <a:t>27</a:t>
+            </a:fld>
+            <a:endParaRPr lang="en-US"/>
+          </a:p>
+        </p:txBody>
+      </p:sp>
+    </p:spTree>
+    <p:extLst>
+      <p:ext uri="{BB962C8B-B14F-4D97-AF65-F5344CB8AC3E}">
+        <p14:creationId xmlns:p14="http://schemas.microsoft.com/office/powerpoint/2010/main" val="1326355859"/>
+      </p:ext>
+    </p:extLst>
+  </p:cSld>
+  <p:clrMapOvr>
+    <a:masterClrMapping/>
+  </p:clrMapOvr>
+  <p:timing>
+    <p:tnLst>
+      <p:par>
+        <p:cTn id="1" dur="indefinite" restart="never" nodeType="tmRoot"/>
+      </p:par>
+    </p:tnLst>
+  </p:timing>
+</p:sld>
+</file>
+
+<file path=ppt/slides/slide28.xml><?xml version="1.0" encoding="utf-8"?>
+<p:sld xmlns:a="http://schemas.openxmlformats.org/drawingml/2006/main" xmlns:r="http://schemas.openxmlformats.org/officeDocument/2006/relationships" xmlns:p="http://schemas.openxmlformats.org/presentationml/2006/main">
+  <p:cSld>
+    <p:spTree>
+      <p:nvGrpSpPr>
+        <p:cNvPr id="1" name=""/>
+        <p:cNvGrpSpPr/>
+        <p:nvPr/>
+      </p:nvGrpSpPr>
+      <p:grpSpPr>
+        <a:xfrm>
+          <a:off x="0" y="0"/>
+          <a:ext cx="0" cy="0"/>
+          <a:chOff x="0" y="0"/>
+          <a:chExt cx="0" cy="0"/>
+        </a:xfrm>
+      </p:grpSpPr>
+      <p:sp>
+        <p:nvSpPr>
+          <p:cNvPr id="2" name="Title 1"/>
+          <p:cNvSpPr>
+            <a:spLocks noGrp="1"/>
+          </p:cNvSpPr>
+          <p:nvPr>
+            <p:ph type="title"/>
+          </p:nvPr>
+        </p:nvSpPr>
+        <p:spPr/>
+        <p:txBody>
+          <a:bodyPr/>
+          <a:lstStyle/>
+          <a:p>
+            <a:r>
+              <a:rPr lang="en-US" dirty="0" smtClean="0"/>
+              <a:t>Classes</a:t>
+            </a:r>
+            <a:endParaRPr lang="en-US" dirty="0"/>
+          </a:p>
+        </p:txBody>
+      </p:sp>
+      <p:sp>
+        <p:nvSpPr>
+          <p:cNvPr id="3" name="Content Placeholder 2"/>
+          <p:cNvSpPr>
+            <a:spLocks noGrp="1"/>
+          </p:cNvSpPr>
+          <p:nvPr>
+            <p:ph idx="1"/>
+          </p:nvPr>
+        </p:nvSpPr>
+        <p:spPr/>
+        <p:txBody>
+          <a:bodyPr/>
+          <a:lstStyle/>
+          <a:p>
+            <a:r>
+              <a:rPr lang="en-US" dirty="0" smtClean="0"/>
+              <a:t>Must have an __</a:t>
+            </a:r>
+            <a:r>
+              <a:rPr lang="en-US" dirty="0" err="1" smtClean="0"/>
+              <a:t>init</a:t>
+            </a:r>
+            <a:r>
+              <a:rPr lang="en-US" dirty="0" smtClean="0"/>
+              <a:t>__ method</a:t>
+            </a:r>
+          </a:p>
+          <a:p>
+            <a:r>
+              <a:rPr lang="en-US" dirty="0" smtClean="0"/>
+              <a:t>Every method must have reference to self</a:t>
+            </a:r>
+          </a:p>
+          <a:p>
+            <a:r>
+              <a:rPr lang="en-US" dirty="0" smtClean="0"/>
+              <a:t>Can declare members in any method or at any time</a:t>
+            </a:r>
+          </a:p>
+          <a:p>
+            <a:r>
+              <a:rPr lang="en-US" dirty="0" smtClean="0"/>
+              <a:t>No private members*</a:t>
+            </a:r>
+          </a:p>
+          <a:p>
+            <a:pPr lvl="1"/>
+            <a:r>
+              <a:rPr lang="en-US" dirty="0" smtClean="0"/>
+              <a:t>_ vs __</a:t>
+            </a:r>
+          </a:p>
+          <a:p>
+            <a:pPr lvl="1"/>
+            <a:r>
+              <a:rPr lang="en-US" dirty="0" smtClean="0"/>
+              <a:t>_x remains as is</a:t>
+            </a:r>
+          </a:p>
+          <a:p>
+            <a:pPr lvl="1"/>
+            <a:r>
+              <a:rPr lang="en-US" dirty="0" smtClean="0"/>
+              <a:t>__ gets replaced by _</a:t>
+            </a:r>
+            <a:r>
+              <a:rPr lang="en-US" dirty="0" err="1" smtClean="0"/>
+              <a:t>classname_x</a:t>
+            </a:r>
+            <a:r>
+              <a:rPr lang="en-US" dirty="0" smtClean="0"/>
+              <a:t> (this is called name mangling)</a:t>
+            </a:r>
+            <a:endParaRPr lang="en-US" dirty="0"/>
+          </a:p>
+        </p:txBody>
+      </p:sp>
+      <p:sp>
+        <p:nvSpPr>
+          <p:cNvPr id="4" name="Date Placeholder 3"/>
+          <p:cNvSpPr>
+            <a:spLocks noGrp="1"/>
+          </p:cNvSpPr>
+          <p:nvPr>
+            <p:ph type="dt" sz="half" idx="10"/>
+          </p:nvPr>
+        </p:nvSpPr>
+        <p:spPr/>
+        <p:txBody>
+          <a:bodyPr/>
+          <a:lstStyle/>
+          <a:p>
+            <a:fld id="{45E24716-CF8B-574D-B4F2-A149D4F36AB2}" type="datetime1">
+              <a:rPr lang="en-US" smtClean="0"/>
+              <a:t>10/25/17</a:t>
+            </a:fld>
+            <a:endParaRPr lang="en-US"/>
+          </a:p>
+        </p:txBody>
+      </p:sp>
+      <p:sp>
+        <p:nvSpPr>
+          <p:cNvPr id="5" name="Footer Placeholder 4"/>
+          <p:cNvSpPr>
+            <a:spLocks noGrp="1"/>
+          </p:cNvSpPr>
+          <p:nvPr>
+            <p:ph type="ftr" sz="quarter" idx="11"/>
+          </p:nvPr>
+        </p:nvSpPr>
+        <p:spPr/>
+        <p:txBody>
+          <a:bodyPr/>
+          <a:lstStyle/>
+          <a:p>
+            <a:r>
+              <a:rPr lang="en-US" smtClean="0"/>
+              <a:t>Evan Kivolowitz | UPL</a:t>
+            </a:r>
+            <a:endParaRPr lang="en-US"/>
+          </a:p>
+        </p:txBody>
+      </p:sp>
+      <p:sp>
+        <p:nvSpPr>
+          <p:cNvPr id="6" name="Slide Number Placeholder 5"/>
+          <p:cNvSpPr>
+            <a:spLocks noGrp="1"/>
+          </p:cNvSpPr>
+          <p:nvPr>
+            <p:ph type="sldNum" sz="quarter" idx="12"/>
+          </p:nvPr>
+        </p:nvSpPr>
+        <p:spPr/>
+        <p:txBody>
+          <a:bodyPr/>
+          <a:lstStyle/>
+          <a:p>
+            <a:fld id="{F3DFDC79-70A2-3548-B6F8-DED93A720197}" type="slidenum">
+              <a:rPr lang="en-US" smtClean="0"/>
+              <a:t>28</a:t>
+            </a:fld>
+            <a:endParaRPr lang="en-US"/>
+          </a:p>
+        </p:txBody>
+      </p:sp>
+    </p:spTree>
+    <p:extLst>
+      <p:ext uri="{BB962C8B-B14F-4D97-AF65-F5344CB8AC3E}">
+        <p14:creationId xmlns:p14="http://schemas.microsoft.com/office/powerpoint/2010/main" val="704744817"/>
+      </p:ext>
+    </p:extLst>
+  </p:cSld>
+  <p:clrMapOvr>
+    <a:masterClrMapping/>
+  </p:clrMapOvr>
+  <p:timing>
+    <p:tnLst>
+      <p:par>
+        <p:cTn id="1" dur="indefinite" restart="never" nodeType="tmRoot"/>
+      </p:par>
+    </p:tnLst>
+  </p:timing>
+</p:sld>
+</file>
+
+<file path=ppt/slides/slide29.xml><?xml version="1.0" encoding="utf-8"?>
+<p:sld xmlns:a="http://schemas.openxmlformats.org/drawingml/2006/main" xmlns:r="http://schemas.openxmlformats.org/officeDocument/2006/relationships" xmlns:p="http://schemas.openxmlformats.org/presentationml/2006/main">
+  <p:cSld>
+    <p:spTree>
+      <p:nvGrpSpPr>
+        <p:cNvPr id="1" name=""/>
+        <p:cNvGrpSpPr/>
+        <p:nvPr/>
+      </p:nvGrpSpPr>
+      <p:grpSpPr>
+        <a:xfrm>
+          <a:off x="0" y="0"/>
+          <a:ext cx="0" cy="0"/>
+          <a:chOff x="0" y="0"/>
+          <a:chExt cx="0" cy="0"/>
+        </a:xfrm>
+      </p:grpSpPr>
+      <p:sp>
+        <p:nvSpPr>
+          <p:cNvPr id="2" name="Title 1"/>
+          <p:cNvSpPr>
+            <a:spLocks noGrp="1"/>
+          </p:cNvSpPr>
+          <p:nvPr>
+            <p:ph type="title"/>
+          </p:nvPr>
+        </p:nvSpPr>
+        <p:spPr/>
+        <p:txBody>
+          <a:bodyPr/>
+          <a:lstStyle/>
+          <a:p>
+            <a:r>
+              <a:rPr lang="en-US" dirty="0" smtClean="0"/>
+              <a:t>Import statements</a:t>
+            </a:r>
+            <a:endParaRPr lang="en-US" dirty="0"/>
+          </a:p>
+        </p:txBody>
+      </p:sp>
+      <p:sp>
+        <p:nvSpPr>
+          <p:cNvPr id="3" name="Content Placeholder 2"/>
+          <p:cNvSpPr>
+            <a:spLocks noGrp="1"/>
+          </p:cNvSpPr>
+          <p:nvPr>
+            <p:ph idx="1"/>
+          </p:nvPr>
+        </p:nvSpPr>
+        <p:spPr/>
+        <p:txBody>
+          <a:bodyPr/>
+          <a:lstStyle/>
+          <a:p>
+            <a:r>
+              <a:rPr lang="en-US" dirty="0" smtClean="0"/>
+              <a:t>import </a:t>
+            </a:r>
+            <a:r>
+              <a:rPr lang="en-US" dirty="0" err="1" smtClean="0"/>
+              <a:t>module_name</a:t>
+            </a:r>
+            <a:endParaRPr lang="en-US" dirty="0" smtClean="0"/>
+          </a:p>
+          <a:p>
+            <a:r>
+              <a:rPr lang="en-US" dirty="0" smtClean="0"/>
+              <a:t>from </a:t>
+            </a:r>
+            <a:r>
+              <a:rPr lang="en-US" dirty="0" err="1" smtClean="0"/>
+              <a:t>module_name</a:t>
+            </a:r>
+            <a:r>
+              <a:rPr lang="en-US" dirty="0" smtClean="0"/>
+              <a:t> import class, function, variable</a:t>
+            </a:r>
+          </a:p>
+          <a:p>
+            <a:r>
+              <a:rPr lang="en-US" dirty="0" smtClean="0"/>
+              <a:t>as</a:t>
+            </a:r>
+          </a:p>
+          <a:p>
+            <a:endParaRPr lang="en-US"/>
+          </a:p>
+        </p:txBody>
+      </p:sp>
+      <p:sp>
+        <p:nvSpPr>
+          <p:cNvPr id="4" name="Date Placeholder 3"/>
+          <p:cNvSpPr>
+            <a:spLocks noGrp="1"/>
+          </p:cNvSpPr>
+          <p:nvPr>
+            <p:ph type="dt" sz="half" idx="10"/>
+          </p:nvPr>
+        </p:nvSpPr>
+        <p:spPr/>
+        <p:txBody>
+          <a:bodyPr/>
+          <a:lstStyle/>
+          <a:p>
+            <a:fld id="{45E24716-CF8B-574D-B4F2-A149D4F36AB2}" type="datetime1">
+              <a:rPr lang="en-US" smtClean="0"/>
+              <a:t>10/25/17</a:t>
+            </a:fld>
+            <a:endParaRPr lang="en-US"/>
+          </a:p>
+        </p:txBody>
+      </p:sp>
+      <p:sp>
+        <p:nvSpPr>
+          <p:cNvPr id="5" name="Footer Placeholder 4"/>
+          <p:cNvSpPr>
+            <a:spLocks noGrp="1"/>
+          </p:cNvSpPr>
+          <p:nvPr>
+            <p:ph type="ftr" sz="quarter" idx="11"/>
+          </p:nvPr>
+        </p:nvSpPr>
+        <p:spPr/>
+        <p:txBody>
+          <a:bodyPr/>
+          <a:lstStyle/>
+          <a:p>
+            <a:r>
+              <a:rPr lang="en-US" smtClean="0"/>
+              <a:t>Evan Kivolowitz | UPL</a:t>
+            </a:r>
+            <a:endParaRPr lang="en-US"/>
+          </a:p>
+        </p:txBody>
+      </p:sp>
+      <p:sp>
+        <p:nvSpPr>
+          <p:cNvPr id="6" name="Slide Number Placeholder 5"/>
+          <p:cNvSpPr>
+            <a:spLocks noGrp="1"/>
+          </p:cNvSpPr>
+          <p:nvPr>
+            <p:ph type="sldNum" sz="quarter" idx="12"/>
+          </p:nvPr>
+        </p:nvSpPr>
+        <p:spPr/>
+        <p:txBody>
+          <a:bodyPr/>
+          <a:lstStyle/>
+          <a:p>
+            <a:fld id="{F3DFDC79-70A2-3548-B6F8-DED93A720197}" type="slidenum">
+              <a:rPr lang="en-US" smtClean="0"/>
+              <a:t>29</a:t>
+            </a:fld>
+            <a:endParaRPr lang="en-US"/>
+          </a:p>
+        </p:txBody>
+      </p:sp>
+    </p:spTree>
+    <p:extLst>
+      <p:ext uri="{BB962C8B-B14F-4D97-AF65-F5344CB8AC3E}">
+        <p14:creationId xmlns:p14="http://schemas.microsoft.com/office/powerpoint/2010/main" val="1179380618"/>
       </p:ext>
     </p:extLst>
   </p:cSld>
